--- a/защита/защита, выступление/ЛобановаВА.pptx
+++ b/защита/защита, выступление/ЛобановаВА.pptx
@@ -391,11 +391,11 @@
         </c:dLbls>
         <c:gapWidth val="219"/>
         <c:overlap val="-27"/>
-        <c:axId val="-1380034688"/>
-        <c:axId val="-1380030880"/>
+        <c:axId val="-436387344"/>
+        <c:axId val="-436389520"/>
       </c:barChart>
       <c:catAx>
-        <c:axId val="-1380034688"/>
+        <c:axId val="-436387344"/>
         <c:scaling>
           <c:orientation val="minMax"/>
         </c:scaling>
@@ -438,7 +438,7 @@
             <a:endParaRPr lang="ru-RU"/>
           </a:p>
         </c:txPr>
-        <c:crossAx val="-1380030880"/>
+        <c:crossAx val="-436389520"/>
         <c:crosses val="autoZero"/>
         <c:auto val="1"/>
         <c:lblAlgn val="ctr"/>
@@ -446,7 +446,7 @@
         <c:noMultiLvlLbl val="0"/>
       </c:catAx>
       <c:valAx>
-        <c:axId val="-1380030880"/>
+        <c:axId val="-436389520"/>
         <c:scaling>
           <c:orientation val="minMax"/>
         </c:scaling>
@@ -497,7 +497,7 @@
             <a:endParaRPr lang="ru-RU"/>
           </a:p>
         </c:txPr>
-        <c:crossAx val="-1380034688"/>
+        <c:crossAx val="-436387344"/>
         <c:crosses val="autoZero"/>
         <c:crossBetween val="between"/>
       </c:valAx>
@@ -1193,7 +1193,7 @@
           <a:p>
             <a:fld id="{5665958A-DC50-4C21-AA00-54264215E8C5}" type="datetimeFigureOut">
               <a:rPr lang="ru-RU" smtClean="0"/>
-              <a:t>19.06.2019</a:t>
+              <a:t>21.06.2019</a:t>
             </a:fld>
             <a:endParaRPr lang="ru-RU"/>
           </a:p>
@@ -1359,7 +1359,7 @@
           <a:p>
             <a:fld id="{B571A7C8-8CA2-4FB6-85BF-32CB007C0B02}" type="datetimeFigureOut">
               <a:rPr lang="ru-RU" smtClean="0"/>
-              <a:t>19.06.2019</a:t>
+              <a:t>21.06.2019</a:t>
             </a:fld>
             <a:endParaRPr lang="ru-RU"/>
           </a:p>
@@ -12746,21 +12746,21 @@
                 <a:gridCol w="381411">
                   <a:extLst>
                     <a:ext uri="{9D8B030D-6E8A-4147-A177-3AD203B41FA5}">
-                      <a16:colId xmlns:a16="http://schemas.microsoft.com/office/drawing/2014/main" xmlns="" val="20000"/>
+                      <a16:colId xmlns="" xmlns:a16="http://schemas.microsoft.com/office/drawing/2014/main" val="20000"/>
                     </a:ext>
                   </a:extLst>
                 </a:gridCol>
                 <a:gridCol w="2788454">
                   <a:extLst>
                     <a:ext uri="{9D8B030D-6E8A-4147-A177-3AD203B41FA5}">
-                      <a16:colId xmlns:a16="http://schemas.microsoft.com/office/drawing/2014/main" xmlns="" val="20001"/>
+                      <a16:colId xmlns="" xmlns:a16="http://schemas.microsoft.com/office/drawing/2014/main" val="20001"/>
                     </a:ext>
                   </a:extLst>
                 </a:gridCol>
                 <a:gridCol w="3448994">
                   <a:extLst>
                     <a:ext uri="{9D8B030D-6E8A-4147-A177-3AD203B41FA5}">
-                      <a16:colId xmlns:a16="http://schemas.microsoft.com/office/drawing/2014/main" xmlns="" val="20002"/>
+                      <a16:colId xmlns="" xmlns:a16="http://schemas.microsoft.com/office/drawing/2014/main" val="20002"/>
                     </a:ext>
                   </a:extLst>
                 </a:gridCol>
@@ -12846,7 +12846,7 @@
                 </a:tc>
                 <a:extLst>
                   <a:ext uri="{0D108BD9-81ED-4DB2-BD59-A6C34878D82A}">
-                    <a16:rowId xmlns:a16="http://schemas.microsoft.com/office/drawing/2014/main" xmlns="" val="10000"/>
+                    <a16:rowId xmlns="" xmlns:a16="http://schemas.microsoft.com/office/drawing/2014/main" val="10000"/>
                   </a:ext>
                 </a:extLst>
               </a:tr>
@@ -12975,7 +12975,7 @@
                 </a:tc>
                 <a:extLst>
                   <a:ext uri="{0D108BD9-81ED-4DB2-BD59-A6C34878D82A}">
-                    <a16:rowId xmlns:a16="http://schemas.microsoft.com/office/drawing/2014/main" xmlns="" val="10001"/>
+                    <a16:rowId xmlns="" xmlns:a16="http://schemas.microsoft.com/office/drawing/2014/main" val="10001"/>
                   </a:ext>
                 </a:extLst>
               </a:tr>
@@ -13116,7 +13116,7 @@
                 </a:tc>
                 <a:extLst>
                   <a:ext uri="{0D108BD9-81ED-4DB2-BD59-A6C34878D82A}">
-                    <a16:rowId xmlns:a16="http://schemas.microsoft.com/office/drawing/2014/main" xmlns="" val="10002"/>
+                    <a16:rowId xmlns="" xmlns:a16="http://schemas.microsoft.com/office/drawing/2014/main" val="10002"/>
                   </a:ext>
                 </a:extLst>
               </a:tr>
@@ -13239,7 +13239,7 @@
                 </a:tc>
                 <a:extLst>
                   <a:ext uri="{0D108BD9-81ED-4DB2-BD59-A6C34878D82A}">
-                    <a16:rowId xmlns:a16="http://schemas.microsoft.com/office/drawing/2014/main" xmlns="" val="10003"/>
+                    <a16:rowId xmlns="" xmlns:a16="http://schemas.microsoft.com/office/drawing/2014/main" val="10003"/>
                   </a:ext>
                 </a:extLst>
               </a:tr>
@@ -13326,7 +13326,7 @@
                 </a:tc>
                 <a:extLst>
                   <a:ext uri="{0D108BD9-81ED-4DB2-BD59-A6C34878D82A}">
-                    <a16:rowId xmlns:a16="http://schemas.microsoft.com/office/drawing/2014/main" xmlns="" val="10004"/>
+                    <a16:rowId xmlns="" xmlns:a16="http://schemas.microsoft.com/office/drawing/2014/main" val="10004"/>
                   </a:ext>
                 </a:extLst>
               </a:tr>
@@ -14675,7 +14675,7 @@
         </p:nvGraphicFramePr>
         <p:xfrm>
           <a:off x="714630" y="2573165"/>
-          <a:ext cx="10751946" cy="2292876"/>
+          <a:ext cx="10751946" cy="2333516"/>
         </p:xfrm>
         <a:graphic>
           <a:graphicData uri="http://schemas.openxmlformats.org/drawingml/2006/table">
@@ -14687,42 +14687,42 @@
                 <a:gridCol w="1791991">
                   <a:extLst>
                     <a:ext uri="{9D8B030D-6E8A-4147-A177-3AD203B41FA5}">
-                      <a16:colId xmlns:a16="http://schemas.microsoft.com/office/drawing/2014/main" xmlns="" val="20000"/>
+                      <a16:colId xmlns="" xmlns:a16="http://schemas.microsoft.com/office/drawing/2014/main" val="20000"/>
                     </a:ext>
                   </a:extLst>
                 </a:gridCol>
                 <a:gridCol w="1791991">
                   <a:extLst>
                     <a:ext uri="{9D8B030D-6E8A-4147-A177-3AD203B41FA5}">
-                      <a16:colId xmlns:a16="http://schemas.microsoft.com/office/drawing/2014/main" xmlns="" val="20001"/>
+                      <a16:colId xmlns="" xmlns:a16="http://schemas.microsoft.com/office/drawing/2014/main" val="20001"/>
                     </a:ext>
                   </a:extLst>
                 </a:gridCol>
                 <a:gridCol w="1791991">
                   <a:extLst>
                     <a:ext uri="{9D8B030D-6E8A-4147-A177-3AD203B41FA5}">
-                      <a16:colId xmlns:a16="http://schemas.microsoft.com/office/drawing/2014/main" xmlns="" val="20002"/>
+                      <a16:colId xmlns="" xmlns:a16="http://schemas.microsoft.com/office/drawing/2014/main" val="20002"/>
                     </a:ext>
                   </a:extLst>
                 </a:gridCol>
                 <a:gridCol w="1791991">
                   <a:extLst>
                     <a:ext uri="{9D8B030D-6E8A-4147-A177-3AD203B41FA5}">
-                      <a16:colId xmlns:a16="http://schemas.microsoft.com/office/drawing/2014/main" xmlns="" val="20003"/>
+                      <a16:colId xmlns="" xmlns:a16="http://schemas.microsoft.com/office/drawing/2014/main" val="20003"/>
                     </a:ext>
                   </a:extLst>
                 </a:gridCol>
                 <a:gridCol w="1791991">
                   <a:extLst>
                     <a:ext uri="{9D8B030D-6E8A-4147-A177-3AD203B41FA5}">
-                      <a16:colId xmlns:a16="http://schemas.microsoft.com/office/drawing/2014/main" xmlns="" val="20004"/>
+                      <a16:colId xmlns="" xmlns:a16="http://schemas.microsoft.com/office/drawing/2014/main" val="20004"/>
                     </a:ext>
                   </a:extLst>
                 </a:gridCol>
                 <a:gridCol w="1791991">
                   <a:extLst>
                     <a:ext uri="{9D8B030D-6E8A-4147-A177-3AD203B41FA5}">
-                      <a16:colId xmlns:a16="http://schemas.microsoft.com/office/drawing/2014/main" xmlns="" val="20005"/>
+                      <a16:colId xmlns="" xmlns:a16="http://schemas.microsoft.com/office/drawing/2014/main" val="20005"/>
                     </a:ext>
                   </a:extLst>
                 </a:gridCol>
@@ -15008,7 +15008,7 @@
                 </a:tc>
                 <a:extLst>
                   <a:ext uri="{0D108BD9-81ED-4DB2-BD59-A6C34878D82A}">
-                    <a16:rowId xmlns:a16="http://schemas.microsoft.com/office/drawing/2014/main" xmlns="" val="10000"/>
+                    <a16:rowId xmlns="" xmlns:a16="http://schemas.microsoft.com/office/drawing/2014/main" val="10000"/>
                   </a:ext>
                 </a:extLst>
               </a:tr>
@@ -15207,7 +15207,7 @@
                 </a:tc>
                 <a:extLst>
                   <a:ext uri="{0D108BD9-81ED-4DB2-BD59-A6C34878D82A}">
-                    <a16:rowId xmlns:a16="http://schemas.microsoft.com/office/drawing/2014/main" xmlns="" val="10001"/>
+                    <a16:rowId xmlns="" xmlns:a16="http://schemas.microsoft.com/office/drawing/2014/main" val="10001"/>
                   </a:ext>
                 </a:extLst>
               </a:tr>
@@ -15406,7 +15406,7 @@
                 </a:tc>
                 <a:extLst>
                   <a:ext uri="{0D108BD9-81ED-4DB2-BD59-A6C34878D82A}">
-                    <a16:rowId xmlns:a16="http://schemas.microsoft.com/office/drawing/2014/main" xmlns="" val="10002"/>
+                    <a16:rowId xmlns="" xmlns:a16="http://schemas.microsoft.com/office/drawing/2014/main" val="10002"/>
                   </a:ext>
                 </a:extLst>
               </a:tr>
@@ -15605,7 +15605,7 @@
                 </a:tc>
                 <a:extLst>
                   <a:ext uri="{0D108BD9-81ED-4DB2-BD59-A6C34878D82A}">
-                    <a16:rowId xmlns:a16="http://schemas.microsoft.com/office/drawing/2014/main" xmlns="" val="10003"/>
+                    <a16:rowId xmlns="" xmlns:a16="http://schemas.microsoft.com/office/drawing/2014/main" val="10003"/>
                   </a:ext>
                 </a:extLst>
               </a:tr>
@@ -15804,7 +15804,7 @@
                 </a:tc>
                 <a:extLst>
                   <a:ext uri="{0D108BD9-81ED-4DB2-BD59-A6C34878D82A}">
-                    <a16:rowId xmlns:a16="http://schemas.microsoft.com/office/drawing/2014/main" xmlns="" val="10004"/>
+                    <a16:rowId xmlns="" xmlns:a16="http://schemas.microsoft.com/office/drawing/2014/main" val="10004"/>
                   </a:ext>
                 </a:extLst>
               </a:tr>
@@ -15965,42 +15965,42 @@
                 <a:gridCol w="2478911">
                   <a:extLst>
                     <a:ext uri="{9D8B030D-6E8A-4147-A177-3AD203B41FA5}">
-                      <a16:colId xmlns:a16="http://schemas.microsoft.com/office/drawing/2014/main" xmlns="" val="20000"/>
+                      <a16:colId xmlns="" xmlns:a16="http://schemas.microsoft.com/office/drawing/2014/main" val="20000"/>
                     </a:ext>
                   </a:extLst>
                 </a:gridCol>
                 <a:gridCol w="1113740">
                   <a:extLst>
                     <a:ext uri="{9D8B030D-6E8A-4147-A177-3AD203B41FA5}">
-                      <a16:colId xmlns:a16="http://schemas.microsoft.com/office/drawing/2014/main" xmlns="" val="20001"/>
+                      <a16:colId xmlns="" xmlns:a16="http://schemas.microsoft.com/office/drawing/2014/main" val="20001"/>
                     </a:ext>
                   </a:extLst>
                 </a:gridCol>
                 <a:gridCol w="1161947">
                   <a:extLst>
                     <a:ext uri="{9D8B030D-6E8A-4147-A177-3AD203B41FA5}">
-                      <a16:colId xmlns:a16="http://schemas.microsoft.com/office/drawing/2014/main" xmlns="" val="20002"/>
+                      <a16:colId xmlns="" xmlns:a16="http://schemas.microsoft.com/office/drawing/2014/main" val="20002"/>
                     </a:ext>
                   </a:extLst>
                 </a:gridCol>
                 <a:gridCol w="1912226">
                   <a:extLst>
                     <a:ext uri="{9D8B030D-6E8A-4147-A177-3AD203B41FA5}">
-                      <a16:colId xmlns:a16="http://schemas.microsoft.com/office/drawing/2014/main" xmlns="" val="20003"/>
+                      <a16:colId xmlns="" xmlns:a16="http://schemas.microsoft.com/office/drawing/2014/main" val="20003"/>
                     </a:ext>
                   </a:extLst>
                 </a:gridCol>
                 <a:gridCol w="1896257">
                   <a:extLst>
                     <a:ext uri="{9D8B030D-6E8A-4147-A177-3AD203B41FA5}">
-                      <a16:colId xmlns:a16="http://schemas.microsoft.com/office/drawing/2014/main" xmlns="" val="20004"/>
+                      <a16:colId xmlns="" xmlns:a16="http://schemas.microsoft.com/office/drawing/2014/main" val="20004"/>
                     </a:ext>
                   </a:extLst>
                 </a:gridCol>
                 <a:gridCol w="1896257">
                   <a:extLst>
                     <a:ext uri="{9D8B030D-6E8A-4147-A177-3AD203B41FA5}">
-                      <a16:colId xmlns:a16="http://schemas.microsoft.com/office/drawing/2014/main" xmlns="" val="20005"/>
+                      <a16:colId xmlns="" xmlns:a16="http://schemas.microsoft.com/office/drawing/2014/main" val="20005"/>
                     </a:ext>
                   </a:extLst>
                 </a:gridCol>
@@ -16233,7 +16233,7 @@
                 </a:tc>
                 <a:extLst>
                   <a:ext uri="{0D108BD9-81ED-4DB2-BD59-A6C34878D82A}">
-                    <a16:rowId xmlns:a16="http://schemas.microsoft.com/office/drawing/2014/main" xmlns="" val="10000"/>
+                    <a16:rowId xmlns="" xmlns:a16="http://schemas.microsoft.com/office/drawing/2014/main" val="10000"/>
                   </a:ext>
                 </a:extLst>
               </a:tr>
@@ -16441,7 +16441,7 @@
                 </a:tc>
                 <a:extLst>
                   <a:ext uri="{0D108BD9-81ED-4DB2-BD59-A6C34878D82A}">
-                    <a16:rowId xmlns:a16="http://schemas.microsoft.com/office/drawing/2014/main" xmlns="" val="10001"/>
+                    <a16:rowId xmlns="" xmlns:a16="http://schemas.microsoft.com/office/drawing/2014/main" val="10001"/>
                   </a:ext>
                 </a:extLst>
               </a:tr>
@@ -16640,7 +16640,7 @@
                 </a:tc>
                 <a:extLst>
                   <a:ext uri="{0D108BD9-81ED-4DB2-BD59-A6C34878D82A}">
-                    <a16:rowId xmlns:a16="http://schemas.microsoft.com/office/drawing/2014/main" xmlns="" val="10002"/>
+                    <a16:rowId xmlns="" xmlns:a16="http://schemas.microsoft.com/office/drawing/2014/main" val="10002"/>
                   </a:ext>
                 </a:extLst>
               </a:tr>
@@ -16857,7 +16857,7 @@
                 </a:tc>
                 <a:extLst>
                   <a:ext uri="{0D108BD9-81ED-4DB2-BD59-A6C34878D82A}">
-                    <a16:rowId xmlns:a16="http://schemas.microsoft.com/office/drawing/2014/main" xmlns="" val="10003"/>
+                    <a16:rowId xmlns="" xmlns:a16="http://schemas.microsoft.com/office/drawing/2014/main" val="10003"/>
                   </a:ext>
                 </a:extLst>
               </a:tr>
@@ -17065,7 +17065,7 @@
                 </a:tc>
                 <a:extLst>
                   <a:ext uri="{0D108BD9-81ED-4DB2-BD59-A6C34878D82A}">
-                    <a16:rowId xmlns:a16="http://schemas.microsoft.com/office/drawing/2014/main" xmlns="" val="10004"/>
+                    <a16:rowId xmlns="" xmlns:a16="http://schemas.microsoft.com/office/drawing/2014/main" val="10004"/>
                   </a:ext>
                 </a:extLst>
               </a:tr>
@@ -17292,7 +17292,7 @@
                 </a:tc>
                 <a:extLst>
                   <a:ext uri="{0D108BD9-81ED-4DB2-BD59-A6C34878D82A}">
-                    <a16:rowId xmlns:a16="http://schemas.microsoft.com/office/drawing/2014/main" xmlns="" val="10005"/>
+                    <a16:rowId xmlns="" xmlns:a16="http://schemas.microsoft.com/office/drawing/2014/main" val="10005"/>
                   </a:ext>
                 </a:extLst>
               </a:tr>
@@ -17491,7 +17491,7 @@
                 </a:tc>
                 <a:extLst>
                   <a:ext uri="{0D108BD9-81ED-4DB2-BD59-A6C34878D82A}">
-                    <a16:rowId xmlns:a16="http://schemas.microsoft.com/office/drawing/2014/main" xmlns="" val="10006"/>
+                    <a16:rowId xmlns="" xmlns:a16="http://schemas.microsoft.com/office/drawing/2014/main" val="10006"/>
                   </a:ext>
                 </a:extLst>
               </a:tr>
@@ -19129,8 +19129,8 @@
           </a:p>
         </p:txBody>
       </p:sp>
-      <mc:AlternateContent xmlns:mc="http://schemas.openxmlformats.org/markup-compatibility/2006">
-        <mc:Choice xmlns:a14="http://schemas.microsoft.com/office/drawing/2010/main" Requires="a14">
+      <mc:AlternateContent xmlns:mc="http://schemas.openxmlformats.org/markup-compatibility/2006" xmlns:a14="http://schemas.microsoft.com/office/drawing/2010/main">
+        <mc:Choice Requires="a14">
           <p:graphicFrame>
             <p:nvGraphicFramePr>
               <p:cNvPr id="12" name="Таблица 11"/>
@@ -19148,7 +19148,7 @@
             </p:nvGraphicFramePr>
             <p:xfrm>
               <a:off x="654685" y="2069779"/>
-              <a:ext cx="10846434" cy="2809930"/>
+              <a:ext cx="10846434" cy="2850570"/>
             </p:xfrm>
             <a:graphic>
               <a:graphicData uri="http://schemas.openxmlformats.org/drawingml/2006/table">
@@ -19160,42 +19160,42 @@
                     <a:gridCol w="1807739">
                       <a:extLst>
                         <a:ext uri="{9D8B030D-6E8A-4147-A177-3AD203B41FA5}">
-                          <a16:colId xmlns:a16="http://schemas.microsoft.com/office/drawing/2014/main" xmlns="" val="20000"/>
+                          <a16:colId xmlns="" xmlns:a16="http://schemas.microsoft.com/office/drawing/2014/main" val="20000"/>
                         </a:ext>
                       </a:extLst>
                     </a:gridCol>
                     <a:gridCol w="1807739">
                       <a:extLst>
                         <a:ext uri="{9D8B030D-6E8A-4147-A177-3AD203B41FA5}">
-                          <a16:colId xmlns:a16="http://schemas.microsoft.com/office/drawing/2014/main" xmlns="" val="20001"/>
+                          <a16:colId xmlns="" xmlns:a16="http://schemas.microsoft.com/office/drawing/2014/main" val="20001"/>
                         </a:ext>
                       </a:extLst>
                     </a:gridCol>
                     <a:gridCol w="1807739">
                       <a:extLst>
                         <a:ext uri="{9D8B030D-6E8A-4147-A177-3AD203B41FA5}">
-                          <a16:colId xmlns:a16="http://schemas.microsoft.com/office/drawing/2014/main" xmlns="" val="20002"/>
+                          <a16:colId xmlns="" xmlns:a16="http://schemas.microsoft.com/office/drawing/2014/main" val="20002"/>
                         </a:ext>
                       </a:extLst>
                     </a:gridCol>
                     <a:gridCol w="1807739">
                       <a:extLst>
                         <a:ext uri="{9D8B030D-6E8A-4147-A177-3AD203B41FA5}">
-                          <a16:colId xmlns:a16="http://schemas.microsoft.com/office/drawing/2014/main" xmlns="" val="20003"/>
+                          <a16:colId xmlns="" xmlns:a16="http://schemas.microsoft.com/office/drawing/2014/main" val="20003"/>
                         </a:ext>
                       </a:extLst>
                     </a:gridCol>
                     <a:gridCol w="1807739">
                       <a:extLst>
                         <a:ext uri="{9D8B030D-6E8A-4147-A177-3AD203B41FA5}">
-                          <a16:colId xmlns:a16="http://schemas.microsoft.com/office/drawing/2014/main" xmlns="" val="20004"/>
+                          <a16:colId xmlns="" xmlns:a16="http://schemas.microsoft.com/office/drawing/2014/main" val="20004"/>
                         </a:ext>
                       </a:extLst>
                     </a:gridCol>
                     <a:gridCol w="1807739">
                       <a:extLst>
                         <a:ext uri="{9D8B030D-6E8A-4147-A177-3AD203B41FA5}">
-                          <a16:colId xmlns:a16="http://schemas.microsoft.com/office/drawing/2014/main" xmlns="" val="20005"/>
+                          <a16:colId xmlns="" xmlns:a16="http://schemas.microsoft.com/office/drawing/2014/main" val="20005"/>
                         </a:ext>
                       </a:extLst>
                     </a:gridCol>
@@ -19368,7 +19368,7 @@
                     </a:tc>
                     <a:extLst>
                       <a:ext uri="{0D108BD9-81ED-4DB2-BD59-A6C34878D82A}">
-                        <a16:rowId xmlns:a16="http://schemas.microsoft.com/office/drawing/2014/main" xmlns="" val="10000"/>
+                        <a16:rowId xmlns="" xmlns:a16="http://schemas.microsoft.com/office/drawing/2014/main" val="10000"/>
                       </a:ext>
                     </a:extLst>
                   </a:tr>
@@ -19500,7 +19500,7 @@
                     </a:tc>
                     <a:extLst>
                       <a:ext uri="{0D108BD9-81ED-4DB2-BD59-A6C34878D82A}">
-                        <a16:rowId xmlns:a16="http://schemas.microsoft.com/office/drawing/2014/main" xmlns="" val="10001"/>
+                        <a16:rowId xmlns="" xmlns:a16="http://schemas.microsoft.com/office/drawing/2014/main" val="10001"/>
                       </a:ext>
                     </a:extLst>
                   </a:tr>
@@ -19917,7 +19917,7 @@
                     </a:tc>
                     <a:extLst>
                       <a:ext uri="{0D108BD9-81ED-4DB2-BD59-A6C34878D82A}">
-                        <a16:rowId xmlns:a16="http://schemas.microsoft.com/office/drawing/2014/main" xmlns="" val="10002"/>
+                        <a16:rowId xmlns="" xmlns:a16="http://schemas.microsoft.com/office/drawing/2014/main" val="10002"/>
                       </a:ext>
                     </a:extLst>
                   </a:tr>
@@ -20079,7 +20079,7 @@
                     </a:tc>
                     <a:extLst>
                       <a:ext uri="{0D108BD9-81ED-4DB2-BD59-A6C34878D82A}">
-                        <a16:rowId xmlns:a16="http://schemas.microsoft.com/office/drawing/2014/main" xmlns="" val="10003"/>
+                        <a16:rowId xmlns="" xmlns:a16="http://schemas.microsoft.com/office/drawing/2014/main" val="10003"/>
                       </a:ext>
                     </a:extLst>
                   </a:tr>
@@ -20507,7 +20507,7 @@
                     </a:tc>
                     <a:extLst>
                       <a:ext uri="{0D108BD9-81ED-4DB2-BD59-A6C34878D82A}">
-                        <a16:rowId xmlns:a16="http://schemas.microsoft.com/office/drawing/2014/main" xmlns="" val="10004"/>
+                        <a16:rowId xmlns="" xmlns:a16="http://schemas.microsoft.com/office/drawing/2014/main" val="10004"/>
                       </a:ext>
                     </a:extLst>
                   </a:tr>
@@ -20669,7 +20669,7 @@
                     </a:tc>
                     <a:extLst>
                       <a:ext uri="{0D108BD9-81ED-4DB2-BD59-A6C34878D82A}">
-                        <a16:rowId xmlns:a16="http://schemas.microsoft.com/office/drawing/2014/main" xmlns="" val="10005"/>
+                        <a16:rowId xmlns="" xmlns:a16="http://schemas.microsoft.com/office/drawing/2014/main" val="10005"/>
                       </a:ext>
                     </a:extLst>
                   </a:tr>
@@ -20678,7 +20678,7 @@
             </a:graphic>
           </p:graphicFrame>
         </mc:Choice>
-        <mc:Fallback>
+        <mc:Fallback xmlns="">
           <p:graphicFrame>
             <p:nvGraphicFramePr>
               <p:cNvPr id="12" name="Таблица 11"/>
@@ -22465,49 +22465,49 @@
                 <a:gridCol w="1508196">
                   <a:extLst>
                     <a:ext uri="{9D8B030D-6E8A-4147-A177-3AD203B41FA5}">
-                      <a16:colId xmlns:a16="http://schemas.microsoft.com/office/drawing/2014/main" xmlns="" val="20000"/>
+                      <a16:colId xmlns="" xmlns:a16="http://schemas.microsoft.com/office/drawing/2014/main" val="20000"/>
                     </a:ext>
                   </a:extLst>
                 </a:gridCol>
                 <a:gridCol w="1508196">
                   <a:extLst>
                     <a:ext uri="{9D8B030D-6E8A-4147-A177-3AD203B41FA5}">
-                      <a16:colId xmlns:a16="http://schemas.microsoft.com/office/drawing/2014/main" xmlns="" val="20001"/>
+                      <a16:colId xmlns="" xmlns:a16="http://schemas.microsoft.com/office/drawing/2014/main" val="20001"/>
                     </a:ext>
                   </a:extLst>
                 </a:gridCol>
                 <a:gridCol w="1508196">
                   <a:extLst>
                     <a:ext uri="{9D8B030D-6E8A-4147-A177-3AD203B41FA5}">
-                      <a16:colId xmlns:a16="http://schemas.microsoft.com/office/drawing/2014/main" xmlns="" val="20002"/>
+                      <a16:colId xmlns="" xmlns:a16="http://schemas.microsoft.com/office/drawing/2014/main" val="20002"/>
                     </a:ext>
                   </a:extLst>
                 </a:gridCol>
                 <a:gridCol w="1508196">
                   <a:extLst>
                     <a:ext uri="{9D8B030D-6E8A-4147-A177-3AD203B41FA5}">
-                      <a16:colId xmlns:a16="http://schemas.microsoft.com/office/drawing/2014/main" xmlns="" val="20003"/>
+                      <a16:colId xmlns="" xmlns:a16="http://schemas.microsoft.com/office/drawing/2014/main" val="20003"/>
                     </a:ext>
                   </a:extLst>
                 </a:gridCol>
                 <a:gridCol w="1508196">
                   <a:extLst>
                     <a:ext uri="{9D8B030D-6E8A-4147-A177-3AD203B41FA5}">
-                      <a16:colId xmlns:a16="http://schemas.microsoft.com/office/drawing/2014/main" xmlns="" val="20004"/>
+                      <a16:colId xmlns="" xmlns:a16="http://schemas.microsoft.com/office/drawing/2014/main" val="20004"/>
                     </a:ext>
                   </a:extLst>
                 </a:gridCol>
                 <a:gridCol w="1508196">
                   <a:extLst>
                     <a:ext uri="{9D8B030D-6E8A-4147-A177-3AD203B41FA5}">
-                      <a16:colId xmlns:a16="http://schemas.microsoft.com/office/drawing/2014/main" xmlns="" val="20005"/>
+                      <a16:colId xmlns="" xmlns:a16="http://schemas.microsoft.com/office/drawing/2014/main" val="20005"/>
                     </a:ext>
                   </a:extLst>
                 </a:gridCol>
                 <a:gridCol w="1508196">
                   <a:extLst>
                     <a:ext uri="{9D8B030D-6E8A-4147-A177-3AD203B41FA5}">
-                      <a16:colId xmlns:a16="http://schemas.microsoft.com/office/drawing/2014/main" xmlns="" val="20006"/>
+                      <a16:colId xmlns="" xmlns:a16="http://schemas.microsoft.com/office/drawing/2014/main" val="20006"/>
                     </a:ext>
                   </a:extLst>
                 </a:gridCol>
@@ -22697,7 +22697,7 @@
                 </a:tc>
                 <a:extLst>
                   <a:ext uri="{0D108BD9-81ED-4DB2-BD59-A6C34878D82A}">
-                    <a16:rowId xmlns:a16="http://schemas.microsoft.com/office/drawing/2014/main" xmlns="" val="10000"/>
+                    <a16:rowId xmlns="" xmlns:a16="http://schemas.microsoft.com/office/drawing/2014/main" val="10000"/>
                   </a:ext>
                 </a:extLst>
               </a:tr>
@@ -22958,7 +22958,7 @@
                 </a:tc>
                 <a:extLst>
                   <a:ext uri="{0D108BD9-81ED-4DB2-BD59-A6C34878D82A}">
-                    <a16:rowId xmlns:a16="http://schemas.microsoft.com/office/drawing/2014/main" xmlns="" val="10001"/>
+                    <a16:rowId xmlns="" xmlns:a16="http://schemas.microsoft.com/office/drawing/2014/main" val="10001"/>
                   </a:ext>
                 </a:extLst>
               </a:tr>
@@ -23219,7 +23219,7 @@
                 </a:tc>
                 <a:extLst>
                   <a:ext uri="{0D108BD9-81ED-4DB2-BD59-A6C34878D82A}">
-                    <a16:rowId xmlns:a16="http://schemas.microsoft.com/office/drawing/2014/main" xmlns="" val="10002"/>
+                    <a16:rowId xmlns="" xmlns:a16="http://schemas.microsoft.com/office/drawing/2014/main" val="10002"/>
                   </a:ext>
                 </a:extLst>
               </a:tr>
@@ -23471,7 +23471,7 @@
                 </a:tc>
                 <a:extLst>
                   <a:ext uri="{0D108BD9-81ED-4DB2-BD59-A6C34878D82A}">
-                    <a16:rowId xmlns:a16="http://schemas.microsoft.com/office/drawing/2014/main" xmlns="" val="10003"/>
+                    <a16:rowId xmlns="" xmlns:a16="http://schemas.microsoft.com/office/drawing/2014/main" val="10003"/>
                   </a:ext>
                 </a:extLst>
               </a:tr>
@@ -23723,7 +23723,7 @@
                 </a:tc>
                 <a:extLst>
                   <a:ext uri="{0D108BD9-81ED-4DB2-BD59-A6C34878D82A}">
-                    <a16:rowId xmlns:a16="http://schemas.microsoft.com/office/drawing/2014/main" xmlns="" val="10004"/>
+                    <a16:rowId xmlns="" xmlns:a16="http://schemas.microsoft.com/office/drawing/2014/main" val="10004"/>
                   </a:ext>
                 </a:extLst>
               </a:tr>
@@ -23984,7 +23984,7 @@
                 </a:tc>
                 <a:extLst>
                   <a:ext uri="{0D108BD9-81ED-4DB2-BD59-A6C34878D82A}">
-                    <a16:rowId xmlns:a16="http://schemas.microsoft.com/office/drawing/2014/main" xmlns="" val="10005"/>
+                    <a16:rowId xmlns="" xmlns:a16="http://schemas.microsoft.com/office/drawing/2014/main" val="10005"/>
                   </a:ext>
                 </a:extLst>
               </a:tr>
@@ -24236,7 +24236,7 @@
                 </a:tc>
                 <a:extLst>
                   <a:ext uri="{0D108BD9-81ED-4DB2-BD59-A6C34878D82A}">
-                    <a16:rowId xmlns:a16="http://schemas.microsoft.com/office/drawing/2014/main" xmlns="" val="10006"/>
+                    <a16:rowId xmlns="" xmlns:a16="http://schemas.microsoft.com/office/drawing/2014/main" val="10006"/>
                   </a:ext>
                 </a:extLst>
               </a:tr>
@@ -24374,49 +24374,49 @@
                 <a:gridCol w="3922267">
                   <a:extLst>
                     <a:ext uri="{9D8B030D-6E8A-4147-A177-3AD203B41FA5}">
-                      <a16:colId xmlns:a16="http://schemas.microsoft.com/office/drawing/2014/main" xmlns="" val="20000"/>
+                      <a16:colId xmlns="" xmlns:a16="http://schemas.microsoft.com/office/drawing/2014/main" val="20000"/>
                     </a:ext>
                   </a:extLst>
                 </a:gridCol>
                 <a:gridCol w="1176893">
                   <a:extLst>
                     <a:ext uri="{9D8B030D-6E8A-4147-A177-3AD203B41FA5}">
-                      <a16:colId xmlns:a16="http://schemas.microsoft.com/office/drawing/2014/main" xmlns="" val="20001"/>
+                      <a16:colId xmlns="" xmlns:a16="http://schemas.microsoft.com/office/drawing/2014/main" val="20001"/>
                     </a:ext>
                   </a:extLst>
                 </a:gridCol>
                 <a:gridCol w="1166194">
                   <a:extLst>
                     <a:ext uri="{9D8B030D-6E8A-4147-A177-3AD203B41FA5}">
-                      <a16:colId xmlns:a16="http://schemas.microsoft.com/office/drawing/2014/main" xmlns="" val="20002"/>
+                      <a16:colId xmlns="" xmlns:a16="http://schemas.microsoft.com/office/drawing/2014/main" val="20002"/>
                     </a:ext>
                   </a:extLst>
                 </a:gridCol>
                 <a:gridCol w="1166194">
                   <a:extLst>
                     <a:ext uri="{9D8B030D-6E8A-4147-A177-3AD203B41FA5}">
-                      <a16:colId xmlns:a16="http://schemas.microsoft.com/office/drawing/2014/main" xmlns="" val="20003"/>
+                      <a16:colId xmlns="" xmlns:a16="http://schemas.microsoft.com/office/drawing/2014/main" val="20003"/>
                     </a:ext>
                   </a:extLst>
                 </a:gridCol>
                 <a:gridCol w="1166194">
                   <a:extLst>
                     <a:ext uri="{9D8B030D-6E8A-4147-A177-3AD203B41FA5}">
-                      <a16:colId xmlns:a16="http://schemas.microsoft.com/office/drawing/2014/main" xmlns="" val="20004"/>
+                      <a16:colId xmlns="" xmlns:a16="http://schemas.microsoft.com/office/drawing/2014/main" val="20004"/>
                     </a:ext>
                   </a:extLst>
                 </a:gridCol>
                 <a:gridCol w="1166194">
                   <a:extLst>
                     <a:ext uri="{9D8B030D-6E8A-4147-A177-3AD203B41FA5}">
-                      <a16:colId xmlns:a16="http://schemas.microsoft.com/office/drawing/2014/main" xmlns="" val="20005"/>
+                      <a16:colId xmlns="" xmlns:a16="http://schemas.microsoft.com/office/drawing/2014/main" val="20005"/>
                     </a:ext>
                   </a:extLst>
                 </a:gridCol>
                 <a:gridCol w="1166194">
                   <a:extLst>
                     <a:ext uri="{9D8B030D-6E8A-4147-A177-3AD203B41FA5}">
-                      <a16:colId xmlns:a16="http://schemas.microsoft.com/office/drawing/2014/main" xmlns="" val="20006"/>
+                      <a16:colId xmlns="" xmlns:a16="http://schemas.microsoft.com/office/drawing/2014/main" val="20006"/>
                     </a:ext>
                   </a:extLst>
                 </a:gridCol>
@@ -24570,7 +24570,7 @@
                 </a:tc>
                 <a:extLst>
                   <a:ext uri="{0D108BD9-81ED-4DB2-BD59-A6C34878D82A}">
-                    <a16:rowId xmlns:a16="http://schemas.microsoft.com/office/drawing/2014/main" xmlns="" val="10000"/>
+                    <a16:rowId xmlns="" xmlns:a16="http://schemas.microsoft.com/office/drawing/2014/main" val="10000"/>
                   </a:ext>
                 </a:extLst>
               </a:tr>
@@ -24935,7 +24935,7 @@
                 </a:tc>
                 <a:extLst>
                   <a:ext uri="{0D108BD9-81ED-4DB2-BD59-A6C34878D82A}">
-                    <a16:rowId xmlns:a16="http://schemas.microsoft.com/office/drawing/2014/main" xmlns="" val="10001"/>
+                    <a16:rowId xmlns="" xmlns:a16="http://schemas.microsoft.com/office/drawing/2014/main" val="10001"/>
                   </a:ext>
                 </a:extLst>
               </a:tr>
@@ -25208,7 +25208,7 @@
                 </a:tc>
                 <a:extLst>
                   <a:ext uri="{0D108BD9-81ED-4DB2-BD59-A6C34878D82A}">
-                    <a16:rowId xmlns:a16="http://schemas.microsoft.com/office/drawing/2014/main" xmlns="" val="10002"/>
+                    <a16:rowId xmlns="" xmlns:a16="http://schemas.microsoft.com/office/drawing/2014/main" val="10002"/>
                   </a:ext>
                 </a:extLst>
               </a:tr>
@@ -25481,7 +25481,7 @@
                 </a:tc>
                 <a:extLst>
                   <a:ext uri="{0D108BD9-81ED-4DB2-BD59-A6C34878D82A}">
-                    <a16:rowId xmlns:a16="http://schemas.microsoft.com/office/drawing/2014/main" xmlns="" val="10003"/>
+                    <a16:rowId xmlns="" xmlns:a16="http://schemas.microsoft.com/office/drawing/2014/main" val="10003"/>
                   </a:ext>
                 </a:extLst>
               </a:tr>
@@ -25754,7 +25754,7 @@
                 </a:tc>
                 <a:extLst>
                   <a:ext uri="{0D108BD9-81ED-4DB2-BD59-A6C34878D82A}">
-                    <a16:rowId xmlns:a16="http://schemas.microsoft.com/office/drawing/2014/main" xmlns="" val="10004"/>
+                    <a16:rowId xmlns="" xmlns:a16="http://schemas.microsoft.com/office/drawing/2014/main" val="10004"/>
                   </a:ext>
                 </a:extLst>
               </a:tr>
@@ -26039,7 +26039,7 @@
                 </a:tc>
                 <a:extLst>
                   <a:ext uri="{0D108BD9-81ED-4DB2-BD59-A6C34878D82A}">
-                    <a16:rowId xmlns:a16="http://schemas.microsoft.com/office/drawing/2014/main" xmlns="" val="10005"/>
+                    <a16:rowId xmlns="" xmlns:a16="http://schemas.microsoft.com/office/drawing/2014/main" val="10005"/>
                   </a:ext>
                 </a:extLst>
               </a:tr>
@@ -26327,7 +26327,7 @@
                 </a:tc>
                 <a:extLst>
                   <a:ext uri="{0D108BD9-81ED-4DB2-BD59-A6C34878D82A}">
-                    <a16:rowId xmlns:a16="http://schemas.microsoft.com/office/drawing/2014/main" xmlns="" val="10006"/>
+                    <a16:rowId xmlns="" xmlns:a16="http://schemas.microsoft.com/office/drawing/2014/main" val="10006"/>
                   </a:ext>
                 </a:extLst>
               </a:tr>
@@ -26600,7 +26600,7 @@
                 </a:tc>
                 <a:extLst>
                   <a:ext uri="{0D108BD9-81ED-4DB2-BD59-A6C34878D82A}">
-                    <a16:rowId xmlns:a16="http://schemas.microsoft.com/office/drawing/2014/main" xmlns="" val="10007"/>
+                    <a16:rowId xmlns="" xmlns:a16="http://schemas.microsoft.com/office/drawing/2014/main" val="10007"/>
                   </a:ext>
                 </a:extLst>
               </a:tr>
@@ -26873,7 +26873,7 @@
                 </a:tc>
                 <a:extLst>
                   <a:ext uri="{0D108BD9-81ED-4DB2-BD59-A6C34878D82A}">
-                    <a16:rowId xmlns:a16="http://schemas.microsoft.com/office/drawing/2014/main" xmlns="" val="10008"/>
+                    <a16:rowId xmlns="" xmlns:a16="http://schemas.microsoft.com/office/drawing/2014/main" val="10008"/>
                   </a:ext>
                 </a:extLst>
               </a:tr>
@@ -27146,7 +27146,7 @@
                 </a:tc>
                 <a:extLst>
                   <a:ext uri="{0D108BD9-81ED-4DB2-BD59-A6C34878D82A}">
-                    <a16:rowId xmlns:a16="http://schemas.microsoft.com/office/drawing/2014/main" xmlns="" val="10009"/>
+                    <a16:rowId xmlns="" xmlns:a16="http://schemas.microsoft.com/office/drawing/2014/main" val="10009"/>
                   </a:ext>
                 </a:extLst>
               </a:tr>
@@ -27404,7 +27404,7 @@
                 </a:tc>
                 <a:extLst>
                   <a:ext uri="{0D108BD9-81ED-4DB2-BD59-A6C34878D82A}">
-                    <a16:rowId xmlns:a16="http://schemas.microsoft.com/office/drawing/2014/main" xmlns="" val="10010"/>
+                    <a16:rowId xmlns="" xmlns:a16="http://schemas.microsoft.com/office/drawing/2014/main" val="10010"/>
                   </a:ext>
                 </a:extLst>
               </a:tr>
